--- a/Visualizations for projects/jac_presentation.pptx
+++ b/Visualizations for projects/jac_presentation.pptx
@@ -4250,7 +4250,7 @@
           <p:cNvPr id="10" name="Rectangle 9">
             <a:extLst>
               <a:ext uri="{FF2B5EF4-FFF2-40B4-BE49-F238E27FC236}">
-                <a16:creationId xmlns="" xmlns:a16="http://schemas.microsoft.com/office/drawing/2014/main" id="{A9F529C3-C941-49FD-8C67-82F134F64BDB}"/>
+                <a16:creationId xmlns:a16="http://schemas.microsoft.com/office/drawing/2014/main" xmlns="" id="{A9F529C3-C941-49FD-8C67-82F134F64BDB}"/>
               </a:ext>
             </a:extLst>
           </p:cNvPr>
@@ -4310,7 +4310,7 @@
           <p:cNvPr id="12" name="Rectangle 11">
             <a:extLst>
               <a:ext uri="{FF2B5EF4-FFF2-40B4-BE49-F238E27FC236}">
-                <a16:creationId xmlns="" xmlns:a16="http://schemas.microsoft.com/office/drawing/2014/main" id="{20586029-32A0-47E5-9AEC-AE3ABA6B94D0}"/>
+                <a16:creationId xmlns:a16="http://schemas.microsoft.com/office/drawing/2014/main" xmlns="" id="{20586029-32A0-47E5-9AEC-AE3ABA6B94D0}"/>
               </a:ext>
             </a:extLst>
           </p:cNvPr>
@@ -4437,7 +4437,7 @@
           <p:cNvPr id="14" name="Straight Connector 13">
             <a:extLst>
               <a:ext uri="{FF2B5EF4-FFF2-40B4-BE49-F238E27FC236}">
-                <a16:creationId xmlns="" xmlns:a16="http://schemas.microsoft.com/office/drawing/2014/main" id="{8C730EAB-A532-4295-A302-FB4B90DB9F5E}"/>
+                <a16:creationId xmlns:a16="http://schemas.microsoft.com/office/drawing/2014/main" xmlns="" id="{8C730EAB-A532-4295-A302-FB4B90DB9F5E}"/>
               </a:ext>
             </a:extLst>
           </p:cNvPr>
@@ -4649,7 +4649,7 @@
           <p:cNvPr id="21" name="Rectangle 20">
             <a:extLst>
               <a:ext uri="{FF2B5EF4-FFF2-40B4-BE49-F238E27FC236}">
-                <a16:creationId xmlns="" xmlns:a16="http://schemas.microsoft.com/office/drawing/2014/main" id="{A9F529C3-C941-49FD-8C67-82F134F64BDB}"/>
+                <a16:creationId xmlns:a16="http://schemas.microsoft.com/office/drawing/2014/main" xmlns="" id="{A9F529C3-C941-49FD-8C67-82F134F64BDB}"/>
               </a:ext>
             </a:extLst>
           </p:cNvPr>
@@ -4709,7 +4709,7 @@
           <p:cNvPr id="23" name="Rectangle 22">
             <a:extLst>
               <a:ext uri="{FF2B5EF4-FFF2-40B4-BE49-F238E27FC236}">
-                <a16:creationId xmlns="" xmlns:a16="http://schemas.microsoft.com/office/drawing/2014/main" id="{20586029-32A0-47E5-9AEC-AE3ABA6B94D0}"/>
+                <a16:creationId xmlns:a16="http://schemas.microsoft.com/office/drawing/2014/main" xmlns="" id="{20586029-32A0-47E5-9AEC-AE3ABA6B94D0}"/>
               </a:ext>
             </a:extLst>
           </p:cNvPr>
@@ -4836,7 +4836,7 @@
           <p:cNvPr id="25" name="Straight Connector 24">
             <a:extLst>
               <a:ext uri="{FF2B5EF4-FFF2-40B4-BE49-F238E27FC236}">
-                <a16:creationId xmlns="" xmlns:a16="http://schemas.microsoft.com/office/drawing/2014/main" id="{8C730EAB-A532-4295-A302-FB4B90DB9F5E}"/>
+                <a16:creationId xmlns:a16="http://schemas.microsoft.com/office/drawing/2014/main" xmlns="" id="{8C730EAB-A532-4295-A302-FB4B90DB9F5E}"/>
               </a:ext>
             </a:extLst>
           </p:cNvPr>
